--- a/inst/extdata/hexsticker.pptx
+++ b/inst/extdata/hexsticker.pptx
@@ -112,6 +112,59 @@
 </p:presentation>
 </file>
 
+<file path=ppt/changesInfos/changesInfo1.xml><?xml version="1.0" encoding="utf-8"?>
+<pc:chgInfo xmlns:a="http://schemas.openxmlformats.org/drawingml/2006/main" xmlns:r="http://schemas.openxmlformats.org/officeDocument/2006/relationships" xmlns:ac="http://schemas.microsoft.com/office/drawing/2013/main/command" xmlns:pc="http://schemas.microsoft.com/office/powerpoint/2013/main/command">
+  <pc:docChgLst>
+    <pc:chgData name="Neal Haddaway" userId="b6d86819-91b2-456d-9ab0-2ad39e8d2cef" providerId="ADAL" clId="{1E151232-35F1-3542-B48B-FCF1D1B51CB2}"/>
+    <pc:docChg chg="modSld">
+      <pc:chgData name="Neal Haddaway" userId="b6d86819-91b2-456d-9ab0-2ad39e8d2cef" providerId="ADAL" clId="{1E151232-35F1-3542-B48B-FCF1D1B51CB2}" dt="2022-04-14T18:19:30.584" v="29" actId="1038"/>
+      <pc:docMkLst>
+        <pc:docMk/>
+      </pc:docMkLst>
+      <pc:sldChg chg="modSp mod">
+        <pc:chgData name="Neal Haddaway" userId="b6d86819-91b2-456d-9ab0-2ad39e8d2cef" providerId="ADAL" clId="{1E151232-35F1-3542-B48B-FCF1D1B51CB2}" dt="2022-04-14T18:19:30.584" v="29" actId="1038"/>
+        <pc:sldMkLst>
+          <pc:docMk/>
+          <pc:sldMk cId="421413058" sldId="256"/>
+        </pc:sldMkLst>
+        <pc:spChg chg="mod">
+          <ac:chgData name="Neal Haddaway" userId="b6d86819-91b2-456d-9ab0-2ad39e8d2cef" providerId="ADAL" clId="{1E151232-35F1-3542-B48B-FCF1D1B51CB2}" dt="2022-04-14T18:19:30.584" v="29" actId="1038"/>
+          <ac:spMkLst>
+            <pc:docMk/>
+            <pc:sldMk cId="421413058" sldId="256"/>
+            <ac:spMk id="7" creationId="{5CCE306E-2751-DD4D-AF4B-218160BE9B70}"/>
+          </ac:spMkLst>
+        </pc:spChg>
+        <pc:spChg chg="mod">
+          <ac:chgData name="Neal Haddaway" userId="b6d86819-91b2-456d-9ab0-2ad39e8d2cef" providerId="ADAL" clId="{1E151232-35F1-3542-B48B-FCF1D1B51CB2}" dt="2022-04-14T18:19:14.609" v="16" actId="1037"/>
+          <ac:spMkLst>
+            <pc:docMk/>
+            <pc:sldMk cId="421413058" sldId="256"/>
+            <ac:spMk id="8" creationId="{FFCC5548-F4BF-A24B-8A63-8565320A72EA}"/>
+          </ac:spMkLst>
+        </pc:spChg>
+        <pc:spChg chg="mod">
+          <ac:chgData name="Neal Haddaway" userId="b6d86819-91b2-456d-9ab0-2ad39e8d2cef" providerId="ADAL" clId="{1E151232-35F1-3542-B48B-FCF1D1B51CB2}" dt="2022-04-14T18:19:24.307" v="18" actId="14100"/>
+          <ac:spMkLst>
+            <pc:docMk/>
+            <pc:sldMk cId="421413058" sldId="256"/>
+            <ac:spMk id="21" creationId="{6DEFFBCC-2C89-EE40-A0E2-C08497CC456B}"/>
+          </ac:spMkLst>
+        </pc:spChg>
+        <pc:picChg chg="mod">
+          <ac:chgData name="Neal Haddaway" userId="b6d86819-91b2-456d-9ab0-2ad39e8d2cef" providerId="ADAL" clId="{1E151232-35F1-3542-B48B-FCF1D1B51CB2}" dt="2022-04-14T18:19:01.679" v="0" actId="1076"/>
+          <ac:picMkLst>
+            <pc:docMk/>
+            <pc:sldMk cId="421413058" sldId="256"/>
+            <ac:picMk id="6" creationId="{EBE4418A-4A2B-244A-B163-8F4869EB5989}"/>
+          </ac:picMkLst>
+        </pc:picChg>
+      </pc:sldChg>
+    </pc:docChg>
+  </pc:docChgLst>
+</pc:chgInfo>
+</file>
+
 <file path=ppt/slideLayouts/slideLayout1.xml><?xml version="1.0" encoding="utf-8"?>
 <p:sldLayout xmlns:a="http://schemas.openxmlformats.org/drawingml/2006/main" xmlns:r="http://schemas.openxmlformats.org/officeDocument/2006/relationships" xmlns:p="http://schemas.openxmlformats.org/presentationml/2006/main" type="title" preserve="1">
   <p:cSld name="Title Slide">
@@ -259,7 +312,7 @@
           <a:p>
             <a:fld id="{8AA7341E-E8D5-574D-9C77-42D65F8270B5}" type="datetimeFigureOut">
               <a:rPr lang="en-US" smtClean="0"/>
-              <a:t>1/13/21</a:t>
+              <a:t>4/14/22</a:t>
             </a:fld>
             <a:endParaRPr lang="en-US"/>
           </a:p>
@@ -457,7 +510,7 @@
           <a:p>
             <a:fld id="{8AA7341E-E8D5-574D-9C77-42D65F8270B5}" type="datetimeFigureOut">
               <a:rPr lang="en-US" smtClean="0"/>
-              <a:t>1/13/21</a:t>
+              <a:t>4/14/22</a:t>
             </a:fld>
             <a:endParaRPr lang="en-US"/>
           </a:p>
@@ -665,7 +718,7 @@
           <a:p>
             <a:fld id="{8AA7341E-E8D5-574D-9C77-42D65F8270B5}" type="datetimeFigureOut">
               <a:rPr lang="en-US" smtClean="0"/>
-              <a:t>1/13/21</a:t>
+              <a:t>4/14/22</a:t>
             </a:fld>
             <a:endParaRPr lang="en-US"/>
           </a:p>
@@ -863,7 +916,7 @@
           <a:p>
             <a:fld id="{8AA7341E-E8D5-574D-9C77-42D65F8270B5}" type="datetimeFigureOut">
               <a:rPr lang="en-US" smtClean="0"/>
-              <a:t>1/13/21</a:t>
+              <a:t>4/14/22</a:t>
             </a:fld>
             <a:endParaRPr lang="en-US"/>
           </a:p>
@@ -1138,7 +1191,7 @@
           <a:p>
             <a:fld id="{8AA7341E-E8D5-574D-9C77-42D65F8270B5}" type="datetimeFigureOut">
               <a:rPr lang="en-US" smtClean="0"/>
-              <a:t>1/13/21</a:t>
+              <a:t>4/14/22</a:t>
             </a:fld>
             <a:endParaRPr lang="en-US"/>
           </a:p>
@@ -1403,7 +1456,7 @@
           <a:p>
             <a:fld id="{8AA7341E-E8D5-574D-9C77-42D65F8270B5}" type="datetimeFigureOut">
               <a:rPr lang="en-US" smtClean="0"/>
-              <a:t>1/13/21</a:t>
+              <a:t>4/14/22</a:t>
             </a:fld>
             <a:endParaRPr lang="en-US"/>
           </a:p>
@@ -1815,7 +1868,7 @@
           <a:p>
             <a:fld id="{8AA7341E-E8D5-574D-9C77-42D65F8270B5}" type="datetimeFigureOut">
               <a:rPr lang="en-US" smtClean="0"/>
-              <a:t>1/13/21</a:t>
+              <a:t>4/14/22</a:t>
             </a:fld>
             <a:endParaRPr lang="en-US"/>
           </a:p>
@@ -1956,7 +2009,7 @@
           <a:p>
             <a:fld id="{8AA7341E-E8D5-574D-9C77-42D65F8270B5}" type="datetimeFigureOut">
               <a:rPr lang="en-US" smtClean="0"/>
-              <a:t>1/13/21</a:t>
+              <a:t>4/14/22</a:t>
             </a:fld>
             <a:endParaRPr lang="en-US"/>
           </a:p>
@@ -2069,7 +2122,7 @@
           <a:p>
             <a:fld id="{8AA7341E-E8D5-574D-9C77-42D65F8270B5}" type="datetimeFigureOut">
               <a:rPr lang="en-US" smtClean="0"/>
-              <a:t>1/13/21</a:t>
+              <a:t>4/14/22</a:t>
             </a:fld>
             <a:endParaRPr lang="en-US"/>
           </a:p>
@@ -2380,7 +2433,7 @@
           <a:p>
             <a:fld id="{8AA7341E-E8D5-574D-9C77-42D65F8270B5}" type="datetimeFigureOut">
               <a:rPr lang="en-US" smtClean="0"/>
-              <a:t>1/13/21</a:t>
+              <a:t>4/14/22</a:t>
             </a:fld>
             <a:endParaRPr lang="en-US"/>
           </a:p>
@@ -2668,7 +2721,7 @@
           <a:p>
             <a:fld id="{8AA7341E-E8D5-574D-9C77-42D65F8270B5}" type="datetimeFigureOut">
               <a:rPr lang="en-US" smtClean="0"/>
-              <a:t>1/13/21</a:t>
+              <a:t>4/14/22</a:t>
             </a:fld>
             <a:endParaRPr lang="en-US"/>
           </a:p>
@@ -2909,7 +2962,7 @@
           <a:p>
             <a:fld id="{8AA7341E-E8D5-574D-9C77-42D65F8270B5}" type="datetimeFigureOut">
               <a:rPr lang="en-US" smtClean="0"/>
-              <a:t>1/13/21</a:t>
+              <a:t>4/14/22</a:t>
             </a:fld>
             <a:endParaRPr lang="en-US"/>
           </a:p>
@@ -3401,8 +3454,8 @@
         </p:nvSpPr>
         <p:spPr>
           <a:xfrm rot="1789623">
-            <a:off x="4994668" y="2994021"/>
-            <a:ext cx="1189130" cy="230832"/>
+            <a:off x="4846717" y="2954617"/>
+            <a:ext cx="1347575" cy="230832"/>
           </a:xfrm>
           <a:prstGeom prst="rect">
             <a:avLst/>
@@ -3417,7 +3470,7 @@
           <a:p>
             <a:pPr algn="r"/>
             <a:r>
-              <a:rPr lang="en-US" sz="900" b="1" dirty="0">
+              <a:rPr lang="en-US" sz="900" dirty="0">
                 <a:solidFill>
                   <a:schemeClr val="tx1">
                     <a:lumMod val="50000"/>
@@ -3429,7 +3482,7 @@
               <a:t>https://</a:t>
             </a:r>
             <a:r>
-              <a:rPr lang="en-US" sz="900" b="1" dirty="0" err="1">
+              <a:rPr lang="en-US" sz="900" dirty="0" err="1">
                 <a:solidFill>
                   <a:schemeClr val="tx1">
                     <a:lumMod val="50000"/>
@@ -3441,7 +3494,7 @@
               <a:t>github.com</a:t>
             </a:r>
             <a:r>
-              <a:rPr lang="en-US" sz="900" b="1" dirty="0">
+              <a:rPr lang="en-US" sz="900" dirty="0">
                 <a:solidFill>
                   <a:schemeClr val="tx1">
                     <a:lumMod val="50000"/>
@@ -3489,7 +3542,7 @@
         </p:blipFill>
         <p:spPr>
           <a:xfrm>
-            <a:off x="5013053" y="1423047"/>
+            <a:off x="4949996" y="1423047"/>
             <a:ext cx="1107161" cy="1287397"/>
           </a:xfrm>
           <a:prstGeom prst="rect">
@@ -3511,8 +3564,8 @@
         </p:nvSpPr>
         <p:spPr>
           <a:xfrm rot="19786166">
-            <a:off x="5952208" y="2948916"/>
-            <a:ext cx="1426994" cy="230832"/>
+            <a:off x="5845827" y="2981967"/>
+            <a:ext cx="1529586" cy="230832"/>
           </a:xfrm>
           <a:prstGeom prst="rect">
             <a:avLst/>
@@ -3525,7 +3578,7 @@
           <a:lstStyle/>
           <a:p>
             <a:r>
-              <a:rPr lang="en-US" sz="900" b="1" dirty="0" err="1">
+              <a:rPr lang="en-US" sz="900" dirty="0" err="1">
                 <a:solidFill>
                   <a:schemeClr val="tx1">
                     <a:lumMod val="50000"/>
@@ -3537,7 +3590,7 @@
               <a:t>nealhaddaway</a:t>
             </a:r>
             <a:r>
-              <a:rPr lang="en-US" sz="900" b="1" dirty="0">
+              <a:rPr lang="en-US" sz="900" dirty="0">
                 <a:solidFill>
                   <a:schemeClr val="tx1">
                     <a:lumMod val="50000"/>
@@ -3549,7 +3602,7 @@
               <a:t>/</a:t>
             </a:r>
             <a:r>
-              <a:rPr lang="en-US" sz="900" b="1" dirty="0" err="1">
+              <a:rPr lang="en-US" sz="900" dirty="0" err="1">
                 <a:solidFill>
                   <a:schemeClr val="tx1">
                     <a:lumMod val="50000"/>
@@ -3560,7 +3613,7 @@
               </a:rPr>
               <a:t>GSscraper</a:t>
             </a:r>
-            <a:endParaRPr lang="en-US" sz="2000" b="1" dirty="0"/>
+            <a:endParaRPr lang="en-US" sz="2000" dirty="0"/>
           </a:p>
         </p:txBody>
       </p:sp>
@@ -3578,8 +3631,8 @@
         </p:nvSpPr>
         <p:spPr>
           <a:xfrm>
-            <a:off x="5872878" y="1936874"/>
-            <a:ext cx="1220206" cy="523220"/>
+            <a:off x="5817793" y="2047044"/>
+            <a:ext cx="1420582" cy="523220"/>
           </a:xfrm>
           <a:prstGeom prst="rect">
             <a:avLst/>
@@ -3593,14 +3646,20 @@
           <a:lstStyle/>
           <a:p>
             <a:r>
-              <a:rPr lang="en-US" sz="2800" dirty="0">
+              <a:rPr lang="en-US" sz="2800" dirty="0" err="1">
                 <a:solidFill>
                   <a:srgbClr val="7C7D7C"/>
                 </a:solidFill>
                 <a:latin typeface="Times" pitchFamily="2" charset="0"/>
               </a:rPr>
-              <a:t>scraper</a:t>
-            </a:r>
+              <a:t>Sscraper</a:t>
+            </a:r>
+            <a:endParaRPr lang="en-US" sz="2800" dirty="0">
+              <a:solidFill>
+                <a:srgbClr val="7C7D7C"/>
+              </a:solidFill>
+              <a:latin typeface="Times" pitchFamily="2" charset="0"/>
+            </a:endParaRPr>
           </a:p>
         </p:txBody>
       </p:sp>
